--- a/Employee Attrition Data Analysis/report-slides.pptx
+++ b/Employee Attrition Data Analysis/report-slides.pptx
@@ -206,7 +206,7 @@
           <a:p>
             <a:fld id="{713601CC-4B33-4399-8050-0D3D0C9E8743}" type="datetimeFigureOut">
               <a:rPr lang="en-US" smtClean="0"/>
-              <a:t>19-Jul-21</a:t>
+              <a:t>30-Aug-21</a:t>
             </a:fld>
             <a:endParaRPr lang="en-US"/>
           </a:p>
@@ -788,7 +788,7 @@
           <a:p>
             <a:fld id="{F72382BA-DF8A-4720-902C-EEFFEABC90BD}" type="datetimeFigureOut">
               <a:rPr lang="en-US" smtClean="0"/>
-              <a:t>19-Jul-21</a:t>
+              <a:t>30-Aug-21</a:t>
             </a:fld>
             <a:endParaRPr lang="en-US"/>
           </a:p>
@@ -986,7 +986,7 @@
           <a:p>
             <a:fld id="{F72382BA-DF8A-4720-902C-EEFFEABC90BD}" type="datetimeFigureOut">
               <a:rPr lang="en-US" smtClean="0"/>
-              <a:t>19-Jul-21</a:t>
+              <a:t>30-Aug-21</a:t>
             </a:fld>
             <a:endParaRPr lang="en-US"/>
           </a:p>
@@ -1194,7 +1194,7 @@
           <a:p>
             <a:fld id="{F72382BA-DF8A-4720-902C-EEFFEABC90BD}" type="datetimeFigureOut">
               <a:rPr lang="en-US" smtClean="0"/>
-              <a:t>19-Jul-21</a:t>
+              <a:t>30-Aug-21</a:t>
             </a:fld>
             <a:endParaRPr lang="en-US"/>
           </a:p>
@@ -1392,7 +1392,7 @@
           <a:p>
             <a:fld id="{F72382BA-DF8A-4720-902C-EEFFEABC90BD}" type="datetimeFigureOut">
               <a:rPr lang="en-US" smtClean="0"/>
-              <a:t>19-Jul-21</a:t>
+              <a:t>30-Aug-21</a:t>
             </a:fld>
             <a:endParaRPr lang="en-US"/>
           </a:p>
@@ -1667,7 +1667,7 @@
           <a:p>
             <a:fld id="{F72382BA-DF8A-4720-902C-EEFFEABC90BD}" type="datetimeFigureOut">
               <a:rPr lang="en-US" smtClean="0"/>
-              <a:t>19-Jul-21</a:t>
+              <a:t>30-Aug-21</a:t>
             </a:fld>
             <a:endParaRPr lang="en-US"/>
           </a:p>
@@ -1932,7 +1932,7 @@
           <a:p>
             <a:fld id="{F72382BA-DF8A-4720-902C-EEFFEABC90BD}" type="datetimeFigureOut">
               <a:rPr lang="en-US" smtClean="0"/>
-              <a:t>19-Jul-21</a:t>
+              <a:t>30-Aug-21</a:t>
             </a:fld>
             <a:endParaRPr lang="en-US"/>
           </a:p>
@@ -2344,7 +2344,7 @@
           <a:p>
             <a:fld id="{F72382BA-DF8A-4720-902C-EEFFEABC90BD}" type="datetimeFigureOut">
               <a:rPr lang="en-US" smtClean="0"/>
-              <a:t>19-Jul-21</a:t>
+              <a:t>30-Aug-21</a:t>
             </a:fld>
             <a:endParaRPr lang="en-US"/>
           </a:p>
@@ -2485,7 +2485,7 @@
           <a:p>
             <a:fld id="{F72382BA-DF8A-4720-902C-EEFFEABC90BD}" type="datetimeFigureOut">
               <a:rPr lang="en-US" smtClean="0"/>
-              <a:t>19-Jul-21</a:t>
+              <a:t>30-Aug-21</a:t>
             </a:fld>
             <a:endParaRPr lang="en-US"/>
           </a:p>
@@ -2598,7 +2598,7 @@
           <a:p>
             <a:fld id="{F72382BA-DF8A-4720-902C-EEFFEABC90BD}" type="datetimeFigureOut">
               <a:rPr lang="en-US" smtClean="0"/>
-              <a:t>19-Jul-21</a:t>
+              <a:t>30-Aug-21</a:t>
             </a:fld>
             <a:endParaRPr lang="en-US"/>
           </a:p>
@@ -2909,7 +2909,7 @@
           <a:p>
             <a:fld id="{F72382BA-DF8A-4720-902C-EEFFEABC90BD}" type="datetimeFigureOut">
               <a:rPr lang="en-US" smtClean="0"/>
-              <a:t>19-Jul-21</a:t>
+              <a:t>30-Aug-21</a:t>
             </a:fld>
             <a:endParaRPr lang="en-US"/>
           </a:p>
@@ -3197,7 +3197,7 @@
           <a:p>
             <a:fld id="{F72382BA-DF8A-4720-902C-EEFFEABC90BD}" type="datetimeFigureOut">
               <a:rPr lang="en-US" smtClean="0"/>
-              <a:t>19-Jul-21</a:t>
+              <a:t>30-Aug-21</a:t>
             </a:fld>
             <a:endParaRPr lang="en-US"/>
           </a:p>
@@ -3443,7 +3443,7 @@
           <a:p>
             <a:fld id="{F72382BA-DF8A-4720-902C-EEFFEABC90BD}" type="datetimeFigureOut">
               <a:rPr lang="en-US" smtClean="0"/>
-              <a:t>19-Jul-21</a:t>
+              <a:t>30-Aug-21</a:t>
             </a:fld>
             <a:endParaRPr lang="en-US"/>
           </a:p>
@@ -3941,7 +3941,7 @@
         <p:spPr>
           <a:xfrm>
             <a:off x="0" y="0"/>
-            <a:ext cx="12192000" cy="6842998"/>
+            <a:ext cx="12192000" cy="6858000"/>
           </a:xfrm>
           <a:prstGeom prst="rect">
             <a:avLst/>
@@ -4487,8 +4487,8 @@
         </p:nvSpPr>
         <p:spPr>
           <a:xfrm>
-            <a:off x="0" y="-31173"/>
-            <a:ext cx="12192000" cy="6858000"/>
+            <a:off x="0" y="-31174"/>
+            <a:ext cx="12192000" cy="6889173"/>
           </a:xfrm>
           <a:prstGeom prst="rect">
             <a:avLst/>
@@ -5026,7 +5026,7 @@
         <p:spPr>
           <a:xfrm>
             <a:off x="0" y="0"/>
-            <a:ext cx="12192000" cy="6926094"/>
+            <a:ext cx="12192000" cy="6858000"/>
           </a:xfrm>
           <a:prstGeom prst="rect">
             <a:avLst/>
@@ -5518,7 +5518,7 @@
         </p:nvSpPr>
         <p:spPr>
           <a:xfrm>
-            <a:off x="0" y="-233464"/>
+            <a:off x="-2" y="0"/>
             <a:ext cx="12192000" cy="6858000"/>
           </a:xfrm>
           <a:prstGeom prst="rect">

--- a/Employee Attrition Data Analysis/report-slides.pptx
+++ b/Employee Attrition Data Analysis/report-slides.pptx
@@ -206,7 +206,7 @@
           <a:p>
             <a:fld id="{713601CC-4B33-4399-8050-0D3D0C9E8743}" type="datetimeFigureOut">
               <a:rPr lang="en-US" smtClean="0"/>
-              <a:t>30-Aug-21</a:t>
+              <a:t>09-Sep-21</a:t>
             </a:fld>
             <a:endParaRPr lang="en-US"/>
           </a:p>
@@ -788,7 +788,7 @@
           <a:p>
             <a:fld id="{F72382BA-DF8A-4720-902C-EEFFEABC90BD}" type="datetimeFigureOut">
               <a:rPr lang="en-US" smtClean="0"/>
-              <a:t>30-Aug-21</a:t>
+              <a:t>09-Sep-21</a:t>
             </a:fld>
             <a:endParaRPr lang="en-US"/>
           </a:p>
@@ -986,7 +986,7 @@
           <a:p>
             <a:fld id="{F72382BA-DF8A-4720-902C-EEFFEABC90BD}" type="datetimeFigureOut">
               <a:rPr lang="en-US" smtClean="0"/>
-              <a:t>30-Aug-21</a:t>
+              <a:t>09-Sep-21</a:t>
             </a:fld>
             <a:endParaRPr lang="en-US"/>
           </a:p>
@@ -1194,7 +1194,7 @@
           <a:p>
             <a:fld id="{F72382BA-DF8A-4720-902C-EEFFEABC90BD}" type="datetimeFigureOut">
               <a:rPr lang="en-US" smtClean="0"/>
-              <a:t>30-Aug-21</a:t>
+              <a:t>09-Sep-21</a:t>
             </a:fld>
             <a:endParaRPr lang="en-US"/>
           </a:p>
@@ -1392,7 +1392,7 @@
           <a:p>
             <a:fld id="{F72382BA-DF8A-4720-902C-EEFFEABC90BD}" type="datetimeFigureOut">
               <a:rPr lang="en-US" smtClean="0"/>
-              <a:t>30-Aug-21</a:t>
+              <a:t>09-Sep-21</a:t>
             </a:fld>
             <a:endParaRPr lang="en-US"/>
           </a:p>
@@ -1667,7 +1667,7 @@
           <a:p>
             <a:fld id="{F72382BA-DF8A-4720-902C-EEFFEABC90BD}" type="datetimeFigureOut">
               <a:rPr lang="en-US" smtClean="0"/>
-              <a:t>30-Aug-21</a:t>
+              <a:t>09-Sep-21</a:t>
             </a:fld>
             <a:endParaRPr lang="en-US"/>
           </a:p>
@@ -1932,7 +1932,7 @@
           <a:p>
             <a:fld id="{F72382BA-DF8A-4720-902C-EEFFEABC90BD}" type="datetimeFigureOut">
               <a:rPr lang="en-US" smtClean="0"/>
-              <a:t>30-Aug-21</a:t>
+              <a:t>09-Sep-21</a:t>
             </a:fld>
             <a:endParaRPr lang="en-US"/>
           </a:p>
@@ -2344,7 +2344,7 @@
           <a:p>
             <a:fld id="{F72382BA-DF8A-4720-902C-EEFFEABC90BD}" type="datetimeFigureOut">
               <a:rPr lang="en-US" smtClean="0"/>
-              <a:t>30-Aug-21</a:t>
+              <a:t>09-Sep-21</a:t>
             </a:fld>
             <a:endParaRPr lang="en-US"/>
           </a:p>
@@ -2485,7 +2485,7 @@
           <a:p>
             <a:fld id="{F72382BA-DF8A-4720-902C-EEFFEABC90BD}" type="datetimeFigureOut">
               <a:rPr lang="en-US" smtClean="0"/>
-              <a:t>30-Aug-21</a:t>
+              <a:t>09-Sep-21</a:t>
             </a:fld>
             <a:endParaRPr lang="en-US"/>
           </a:p>
@@ -2598,7 +2598,7 @@
           <a:p>
             <a:fld id="{F72382BA-DF8A-4720-902C-EEFFEABC90BD}" type="datetimeFigureOut">
               <a:rPr lang="en-US" smtClean="0"/>
-              <a:t>30-Aug-21</a:t>
+              <a:t>09-Sep-21</a:t>
             </a:fld>
             <a:endParaRPr lang="en-US"/>
           </a:p>
@@ -2909,7 +2909,7 @@
           <a:p>
             <a:fld id="{F72382BA-DF8A-4720-902C-EEFFEABC90BD}" type="datetimeFigureOut">
               <a:rPr lang="en-US" smtClean="0"/>
-              <a:t>30-Aug-21</a:t>
+              <a:t>09-Sep-21</a:t>
             </a:fld>
             <a:endParaRPr lang="en-US"/>
           </a:p>
@@ -3197,7 +3197,7 @@
           <a:p>
             <a:fld id="{F72382BA-DF8A-4720-902C-EEFFEABC90BD}" type="datetimeFigureOut">
               <a:rPr lang="en-US" smtClean="0"/>
-              <a:t>30-Aug-21</a:t>
+              <a:t>09-Sep-21</a:t>
             </a:fld>
             <a:endParaRPr lang="en-US"/>
           </a:p>
@@ -3443,7 +3443,7 @@
           <a:p>
             <a:fld id="{F72382BA-DF8A-4720-902C-EEFFEABC90BD}" type="datetimeFigureOut">
               <a:rPr lang="en-US" smtClean="0"/>
-              <a:t>30-Aug-21</a:t>
+              <a:t>09-Sep-21</a:t>
             </a:fld>
             <a:endParaRPr lang="en-US"/>
           </a:p>
@@ -4368,7 +4368,7 @@
                   <a:schemeClr val="bg1"/>
                 </a:solidFill>
               </a:rPr>
-              <a:t>One of the main problems faced by companies  is employee attrition, this is caused by several factors. According to the data close to 17% of employees has left the company.</a:t>
+              <a:t>One of the main problems faced by companies  is employee attrition, this is caused by several factors. According to the data, close to 17% of employees has left the company.</a:t>
             </a:r>
           </a:p>
           <a:p>
@@ -4487,7 +4487,7 @@
         </p:nvSpPr>
         <p:spPr>
           <a:xfrm>
-            <a:off x="0" y="-31174"/>
+            <a:off x="0" y="-31173"/>
             <a:ext cx="12192000" cy="6889173"/>
           </a:xfrm>
           <a:prstGeom prst="rect">
@@ -4666,7 +4666,7 @@
                   <a:schemeClr val="bg1"/>
                 </a:solidFill>
               </a:rPr>
-              <a:t>In total the salary hike of the employee increases as the job level lowers.</a:t>
+              <a:t>In total, the salary hike of the employees increases as the job level lowers.</a:t>
             </a:r>
           </a:p>
           <a:p>
@@ -5168,7 +5168,7 @@
                   <a:schemeClr val="bg1"/>
                 </a:solidFill>
               </a:rPr>
-              <a:t>53% of the employees that left has high job involvement. 11% of the employees had low job involvement.</a:t>
+              <a:t>53% of the employees that left had high job involvement. 11% of the employees had low job involvement.</a:t>
             </a:r>
           </a:p>
           <a:p>
@@ -5185,7 +5185,7 @@
                   <a:schemeClr val="bg1"/>
                 </a:solidFill>
               </a:rPr>
-              <a:t>But it seems the median  monthly income of these employees are close to the same.</a:t>
+              <a:t>But it seems the median  monthly income of these employees are closely the same.</a:t>
             </a:r>
           </a:p>
           <a:p>
@@ -5433,7 +5433,26 @@
                   <a:schemeClr val="bg1"/>
                 </a:solidFill>
               </a:rPr>
-              <a:t>30% of the employee who left the company had low environment satisfaction. It was higher than  the rest of the responds.</a:t>
+              <a:t>30% of the employee who left the company had </a:t>
+            </a:r>
+            <a:r>
+              <a:rPr lang="en-US" b="1" dirty="0">
+                <a:solidFill>
+                  <a:schemeClr val="tx2">
+                    <a:lumMod val="40000"/>
+                    <a:lumOff val="60000"/>
+                  </a:schemeClr>
+                </a:solidFill>
+              </a:rPr>
+              <a:t>low environment satisfaction</a:t>
+            </a:r>
+            <a:r>
+              <a:rPr lang="en-US" dirty="0">
+                <a:solidFill>
+                  <a:schemeClr val="bg1"/>
+                </a:solidFill>
+              </a:rPr>
+              <a:t>. It was higher than  the rest of the responds.</a:t>
             </a:r>
           </a:p>
         </p:txBody>
@@ -6262,7 +6281,7 @@
                   <a:schemeClr val="bg1"/>
                 </a:solidFill>
               </a:rPr>
-              <a:t>There should be a fair distribution of income about employees of different levels and gender.</a:t>
+              <a:t>There should be a fair distribution of income to employees of different levels and gender with no discrimination.</a:t>
             </a:r>
           </a:p>
           <a:p>
@@ -6287,7 +6306,7 @@
                   <a:schemeClr val="bg1"/>
                 </a:solidFill>
               </a:rPr>
-              <a:t>The management should add the well-being of the employees to their priorities.</a:t>
+              <a:t>The management should consider the well-being of the employees to their priorities.</a:t>
             </a:r>
           </a:p>
           <a:p>
@@ -6308,7 +6327,7 @@
                   <a:schemeClr val="bg1"/>
                 </a:solidFill>
               </a:rPr>
-              <a:t>The company must make sure there environment the employee at working in are conducive enough.</a:t>
+              <a:t>The company must make sure the environment the employee at working in are conducive enough.</a:t>
             </a:r>
           </a:p>
         </p:txBody>
